--- a/_site/slides/week05/lecture.pptx
+++ b/_site/slides/week05/lecture.pptx
@@ -24,8 +24,6 @@
     <p:sldId id="272" r:id="rId18"/>
     <p:sldId id="273" r:id="rId19"/>
     <p:sldId id="274" r:id="rId20"/>
-    <p:sldId id="275" r:id="rId21"/>
-    <p:sldId id="276" r:id="rId22"/>
   </p:sldIdLst>
   <p:sldSz cx="12192000" cy="6858000"/>
   <p:notesSz cx="6858000" cy="9144000"/>
@@ -5028,196 +5026,6 @@
           <a:lstStyle/>
           <a:p>
             <a:pPr lvl="0" indent="0" marL="0">
-              <a:spcBef>
-                <a:spcPts val="3000"/>
-              </a:spcBef>
-              <a:buNone/>
-            </a:pPr>
-            <a:r>
-              <a:rPr b="1"/>
-              <a:t>The credibility revolution?</a:t>
-            </a:r>
-          </a:p>
-          <a:p>
-            <a:pPr lvl="0" indent="0" marL="0">
-              <a:buNone/>
-            </a:pPr>
-            <a:r>
-              <a:rPr/>
-              <a:t>Recent years have seen several changes to how psychological science is conducted to overcome concerns about reliability – dubbed the ‘credibility revolution’</a:t>
-            </a:r>
-          </a:p>
-        </p:txBody>
-      </p:sp>
-      <p:pic>
-        <p:nvPicPr>
-          <p:cNvPr descr="images/paste-22D4632E.png" id="0" name="Picture 1"/>
-          <p:cNvPicPr>
-            <a:picLocks noGrp="1" noChangeAspect="1"/>
-          </p:cNvPicPr>
-          <p:nvPr/>
-        </p:nvPicPr>
-        <p:blipFill>
-          <a:blip r:embed="rId2"/>
-          <a:stretch>
-            <a:fillRect/>
-          </a:stretch>
-        </p:blipFill>
-        <p:spPr bwMode="auto">
-          <a:xfrm>
-            <a:off x="5181600" y="1625600"/>
-            <a:ext cx="6172200" cy="3568700"/>
-          </a:xfrm>
-          <a:prstGeom prst="rect">
-            <a:avLst/>
-          </a:prstGeom>
-          <a:noFill/>
-          <a:ln w="9525">
-            <a:noFill/>
-            <a:headEnd/>
-            <a:tailEnd/>
-          </a:ln>
-        </p:spPr>
-      </p:pic>
-    </p:spTree>
-  </p:cSld>
-</p:sld>
-</file>
-
-<file path=ppt/slides/slide11.xml><?xml version="1.0" encoding="utf-8"?>
-<p:sld xmlns:a="http://schemas.openxmlformats.org/drawingml/2006/main" xmlns:r="http://schemas.openxmlformats.org/officeDocument/2006/relationships" xmlns:p="http://schemas.openxmlformats.org/presentationml/2006/main">
-  <p:cSld>
-    <p:spTree>
-      <p:nvGrpSpPr>
-        <p:cNvPr id="1" name=""/>
-        <p:cNvGrpSpPr/>
-        <p:nvPr/>
-      </p:nvGrpSpPr>
-      <p:grpSpPr>
-        <a:xfrm>
-          <a:off x="0" y="0"/>
-          <a:ext cx="0" cy="0"/>
-          <a:chOff x="0" y="0"/>
-          <a:chExt cx="0" cy="0"/>
-        </a:xfrm>
-      </p:grpSpPr>
-      <p:sp>
-        <p:nvSpPr>
-          <p:cNvPr id="4" name="Text Placeholder 3">
-            <a:extLst>
-              <a:ext uri="{FF2B5EF4-FFF2-40B4-BE49-F238E27FC236}">
-                <a16:creationId xmlns:a16="http://schemas.microsoft.com/office/drawing/2014/main" id="{898BA411-2A54-A94A-B3FC-826281DBEADF}"/>
-              </a:ext>
-            </a:extLst>
-          </p:cNvPr>
-          <p:cNvSpPr>
-            <a:spLocks noGrp="1"/>
-          </p:cNvSpPr>
-          <p:nvPr>
-            <p:ph idx="2" sz="half" type="body"/>
-          </p:nvPr>
-        </p:nvSpPr>
-        <p:spPr/>
-        <p:txBody>
-          <a:bodyPr/>
-          <a:lstStyle/>
-          <a:p>
-            <a:pPr lvl="0" indent="0" marL="0">
-              <a:spcBef>
-                <a:spcPts val="3000"/>
-              </a:spcBef>
-              <a:buNone/>
-            </a:pPr>
-            <a:r>
-              <a:rPr b="1"/>
-              <a:t>Recommendations and changes</a:t>
-            </a:r>
-          </a:p>
-          <a:p>
-            <a:pPr lvl="0" indent="0" marL="0">
-              <a:buNone/>
-            </a:pPr>
-            <a:r>
-              <a:rPr/>
-              <a:t>Low statistical power? Report power analyses and justify sample sizes</a:t>
-            </a:r>
-          </a:p>
-        </p:txBody>
-      </p:sp>
-      <p:pic>
-        <p:nvPicPr>
-          <p:cNvPr descr="images/paste-FF37A851.png" id="0" name="Picture 1"/>
-          <p:cNvPicPr>
-            <a:picLocks noGrp="1" noChangeAspect="1"/>
-          </p:cNvPicPr>
-          <p:nvPr/>
-        </p:nvPicPr>
-        <p:blipFill>
-          <a:blip r:embed="rId2"/>
-          <a:stretch>
-            <a:fillRect/>
-          </a:stretch>
-        </p:blipFill>
-        <p:spPr bwMode="auto">
-          <a:xfrm>
-            <a:off x="5181600" y="2159000"/>
-            <a:ext cx="6172200" cy="2501900"/>
-          </a:xfrm>
-          <a:prstGeom prst="rect">
-            <a:avLst/>
-          </a:prstGeom>
-          <a:noFill/>
-          <a:ln w="9525">
-            <a:noFill/>
-            <a:headEnd/>
-            <a:tailEnd/>
-          </a:ln>
-        </p:spPr>
-      </p:pic>
-    </p:spTree>
-  </p:cSld>
-</p:sld>
-</file>
-
-<file path=ppt/slides/slide12.xml><?xml version="1.0" encoding="utf-8"?>
-<p:sld xmlns:a="http://schemas.openxmlformats.org/drawingml/2006/main" xmlns:r="http://schemas.openxmlformats.org/officeDocument/2006/relationships" xmlns:p="http://schemas.openxmlformats.org/presentationml/2006/main">
-  <p:cSld>
-    <p:spTree>
-      <p:nvGrpSpPr>
-        <p:cNvPr id="1" name=""/>
-        <p:cNvGrpSpPr/>
-        <p:nvPr/>
-      </p:nvGrpSpPr>
-      <p:grpSpPr>
-        <a:xfrm>
-          <a:off x="0" y="0"/>
-          <a:ext cx="0" cy="0"/>
-          <a:chOff x="0" y="0"/>
-          <a:chExt cx="0" cy="0"/>
-        </a:xfrm>
-      </p:grpSpPr>
-      <p:sp>
-        <p:nvSpPr>
-          <p:cNvPr id="4" name="Text Placeholder 3">
-            <a:extLst>
-              <a:ext uri="{FF2B5EF4-FFF2-40B4-BE49-F238E27FC236}">
-                <a16:creationId xmlns:a16="http://schemas.microsoft.com/office/drawing/2014/main" id="{898BA411-2A54-A94A-B3FC-826281DBEADF}"/>
-              </a:ext>
-            </a:extLst>
-          </p:cNvPr>
-          <p:cNvSpPr>
-            <a:spLocks noGrp="1"/>
-          </p:cNvSpPr>
-          <p:nvPr>
-            <p:ph idx="2" sz="half" type="body"/>
-          </p:nvPr>
-        </p:nvSpPr>
-        <p:spPr/>
-        <p:txBody>
-          <a:bodyPr/>
-          <a:lstStyle/>
-          <a:p>
-            <a:pPr lvl="0" indent="0" marL="0">
               <a:buNone/>
             </a:pPr>
             <a:r>
@@ -5274,7 +5082,7 @@
 </p:sld>
 </file>
 
-<file path=ppt/slides/slide13.xml><?xml version="1.0" encoding="utf-8"?>
+<file path=ppt/slides/slide11.xml><?xml version="1.0" encoding="utf-8"?>
 <p:sld xmlns:a="http://schemas.openxmlformats.org/drawingml/2006/main" xmlns:r="http://schemas.openxmlformats.org/officeDocument/2006/relationships" xmlns:p="http://schemas.openxmlformats.org/presentationml/2006/main">
   <p:cSld>
     <p:spTree>
@@ -5360,7 +5168,7 @@
 </p:sld>
 </file>
 
-<file path=ppt/slides/slide14.xml><?xml version="1.0" encoding="utf-8"?>
+<file path=ppt/slides/slide12.xml><?xml version="1.0" encoding="utf-8"?>
 <p:sld xmlns:a="http://schemas.openxmlformats.org/drawingml/2006/main" xmlns:r="http://schemas.openxmlformats.org/officeDocument/2006/relationships" xmlns:p="http://schemas.openxmlformats.org/presentationml/2006/main">
   <p:cSld>
     <p:spTree>
@@ -5446,7 +5254,7 @@
 </p:sld>
 </file>
 
-<file path=ppt/slides/slide15.xml><?xml version="1.0" encoding="utf-8"?>
+<file path=ppt/slides/slide13.xml><?xml version="1.0" encoding="utf-8"?>
 <p:sld xmlns:a="http://schemas.openxmlformats.org/drawingml/2006/main" xmlns:r="http://schemas.openxmlformats.org/officeDocument/2006/relationships" xmlns:p="http://schemas.openxmlformats.org/presentationml/2006/main">
   <p:cSld>
     <p:spTree>
@@ -5532,7 +5340,7 @@
 </p:sld>
 </file>
 
-<file path=ppt/slides/slide16.xml><?xml version="1.0" encoding="utf-8"?>
+<file path=ppt/slides/slide14.xml><?xml version="1.0" encoding="utf-8"?>
 <p:sld xmlns:a="http://schemas.openxmlformats.org/drawingml/2006/main" xmlns:r="http://schemas.openxmlformats.org/officeDocument/2006/relationships" xmlns:p="http://schemas.openxmlformats.org/presentationml/2006/main">
   <p:cSld>
     <p:spTree>
@@ -5658,7 +5466,7 @@
 </p:sld>
 </file>
 
-<file path=ppt/slides/slide17.xml><?xml version="1.0" encoding="utf-8"?>
+<file path=ppt/slides/slide15.xml><?xml version="1.0" encoding="utf-8"?>
 <p:sld xmlns:a="http://schemas.openxmlformats.org/drawingml/2006/main" xmlns:r="http://schemas.openxmlformats.org/officeDocument/2006/relationships" xmlns:p="http://schemas.openxmlformats.org/presentationml/2006/main">
   <p:cSld>
     <p:spTree>
@@ -5744,7 +5552,7 @@
 </p:sld>
 </file>
 
-<file path=ppt/slides/slide18.xml><?xml version="1.0" encoding="utf-8"?>
+<file path=ppt/slides/slide16.xml><?xml version="1.0" encoding="utf-8"?>
 <p:sld xmlns:a="http://schemas.openxmlformats.org/drawingml/2006/main" xmlns:r="http://schemas.openxmlformats.org/officeDocument/2006/relationships" xmlns:p="http://schemas.openxmlformats.org/presentationml/2006/main">
   <p:cSld>
     <p:spTree>
@@ -5848,7 +5656,7 @@
 </p:sld>
 </file>
 
-<file path=ppt/slides/slide19.xml><?xml version="1.0" encoding="utf-8"?>
+<file path=ppt/slides/slide17.xml><?xml version="1.0" encoding="utf-8"?>
 <p:sld xmlns:a="http://schemas.openxmlformats.org/drawingml/2006/main" xmlns:r="http://schemas.openxmlformats.org/officeDocument/2006/relationships" xmlns:p="http://schemas.openxmlformats.org/presentationml/2006/main">
   <p:cSld>
     <p:spTree>
@@ -5982,6 +5790,310 @@
 </p:sld>
 </file>
 
+<file path=ppt/slides/slide18.xml><?xml version="1.0" encoding="utf-8"?>
+<p:sld xmlns:a="http://schemas.openxmlformats.org/drawingml/2006/main" xmlns:r="http://schemas.openxmlformats.org/officeDocument/2006/relationships" xmlns:p="http://schemas.openxmlformats.org/presentationml/2006/main">
+  <p:cSld>
+    <p:spTree>
+      <p:nvGrpSpPr>
+        <p:cNvPr id="1" name=""/>
+        <p:cNvGrpSpPr/>
+        <p:nvPr/>
+      </p:nvGrpSpPr>
+      <p:grpSpPr>
+        <a:xfrm>
+          <a:off x="0" y="0"/>
+          <a:ext cx="0" cy="0"/>
+          <a:chOff x="0" y="0"/>
+          <a:chExt cx="0" cy="0"/>
+        </a:xfrm>
+      </p:grpSpPr>
+      <p:sp>
+        <p:nvSpPr>
+          <p:cNvPr id="3" name="Content Placeholder 2">
+            <a:extLst>
+              <a:ext uri="{FF2B5EF4-FFF2-40B4-BE49-F238E27FC236}">
+                <a16:creationId xmlns:a16="http://schemas.microsoft.com/office/drawing/2014/main" id="{A4EB24F9-04F1-C843-9D71-56C5C024552B}"/>
+              </a:ext>
+            </a:extLst>
+          </p:cNvPr>
+          <p:cNvSpPr>
+            <a:spLocks noGrp="1"/>
+          </p:cNvSpPr>
+          <p:nvPr>
+            <p:ph idx="1"/>
+          </p:nvPr>
+        </p:nvSpPr>
+        <p:spPr/>
+        <p:txBody>
+          <a:bodyPr/>
+          <a:lstStyle/>
+          <a:p>
+            <a:pPr lvl="0" indent="0" marL="0">
+              <a:spcBef>
+                <a:spcPts val="3000"/>
+              </a:spcBef>
+              <a:buNone/>
+            </a:pPr>
+            <a:r>
+              <a:rPr b="1"/>
+              <a:t>Are we worry about the wrong thing?</a:t>
+            </a:r>
+          </a:p>
+          <a:p>
+            <a:pPr lvl="0"/>
+            <a:r>
+              <a:rPr/>
+              <a:t>Other psychologists have argued that focus on replicability, statistical robustness etc. is misguided</a:t>
+            </a:r>
+          </a:p>
+          <a:p>
+            <a:pPr lvl="0"/>
+            <a:r>
+              <a:rPr/>
+              <a:t>The real problem psychology has is the absence of strong theories</a:t>
+            </a:r>
+          </a:p>
+          <a:p>
+            <a:pPr lvl="0"/>
+            <a:r>
+              <a:rPr/>
+              <a:t>This “theory crisis” cannot be solved with more and more attention to statistics</a:t>
+            </a:r>
+          </a:p>
+          <a:p>
+            <a:pPr lvl="0"/>
+            <a:r>
+              <a:rPr/>
+              <a:t>Theory is the thing we should be caring about? Not specific effects in specific studies</a:t>
+            </a:r>
+          </a:p>
+          <a:p>
+            <a:pPr lvl="0"/>
+            <a:r>
+              <a:rPr/>
+              <a:t>No statistics can help us to test a theory that is poorly thought out</a:t>
+            </a:r>
+          </a:p>
+          <a:p>
+            <a:pPr lvl="0" indent="0" marL="0">
+              <a:spcBef>
+                <a:spcPts val="3000"/>
+              </a:spcBef>
+              <a:buNone/>
+            </a:pPr>
+            <a:r>
+              <a:rPr b="1"/>
+              <a:t>Summary</a:t>
+            </a:r>
+          </a:p>
+          <a:p>
+            <a:pPr lvl="0" indent="0" marL="0">
+              <a:buNone/>
+            </a:pPr>
+            <a:r>
+              <a:rPr/>
+              <a:t>You should now know:</a:t>
+            </a:r>
+          </a:p>
+          <a:p>
+            <a:pPr lvl="0"/>
+            <a:r>
+              <a:rPr/>
+              <a:t>Why scientists are concerned about the reliability of psychological studies</a:t>
+            </a:r>
+          </a:p>
+          <a:p>
+            <a:pPr lvl="0"/>
+            <a:r>
+              <a:rPr/>
+              <a:t>Steps the scientific community are taking to overcome these worries</a:t>
+            </a:r>
+          </a:p>
+          <a:p>
+            <a:pPr lvl="0"/>
+            <a:r>
+              <a:rPr/>
+              <a:t>Not everyone is convinced that the ‘crisis’ is as serious as it seems, or whether these changes will help solve psychology’s problems</a:t>
+            </a:r>
+          </a:p>
+        </p:txBody>
+      </p:sp>
+    </p:spTree>
+  </p:cSld>
+</p:sld>
+</file>
+
+<file path=ppt/slides/slide19.xml><?xml version="1.0" encoding="utf-8"?>
+<p:sld xmlns:a="http://schemas.openxmlformats.org/drawingml/2006/main" xmlns:r="http://schemas.openxmlformats.org/officeDocument/2006/relationships" xmlns:p="http://schemas.openxmlformats.org/presentationml/2006/main">
+  <p:cSld>
+    <p:spTree>
+      <p:nvGrpSpPr>
+        <p:cNvPr id="1" name=""/>
+        <p:cNvGrpSpPr/>
+        <p:nvPr/>
+      </p:nvGrpSpPr>
+      <p:grpSpPr>
+        <a:xfrm>
+          <a:off x="0" y="0"/>
+          <a:ext cx="0" cy="0"/>
+          <a:chOff x="0" y="0"/>
+          <a:chExt cx="0" cy="0"/>
+        </a:xfrm>
+      </p:grpSpPr>
+      <p:sp>
+        <p:nvSpPr>
+          <p:cNvPr id="2" name="Title 1">
+            <a:extLst>
+              <a:ext uri="{FF2B5EF4-FFF2-40B4-BE49-F238E27FC236}">
+                <a16:creationId xmlns:a16="http://schemas.microsoft.com/office/drawing/2014/main" id="{DD9B8E45-0772-954C-8D4B-6E6808DFEDED}"/>
+              </a:ext>
+            </a:extLst>
+          </p:cNvPr>
+          <p:cNvSpPr>
+            <a:spLocks noGrp="1"/>
+          </p:cNvSpPr>
+          <p:nvPr>
+            <p:ph type="title"/>
+          </p:nvPr>
+        </p:nvSpPr>
+        <p:spPr>
+          <a:xfrm>
+            <a:off x="838200" y="365129"/>
+            <a:ext cx="10002520" cy="1325563"/>
+          </a:xfrm>
+          <a:prstGeom prst="rect">
+            <a:avLst/>
+          </a:prstGeom>
+        </p:spPr>
+        <p:txBody>
+          <a:bodyPr/>
+          <a:lstStyle/>
+          <a:p>
+            <a:pPr lvl="0" indent="0" marL="0">
+              <a:buNone/>
+            </a:pPr>
+            <a:r>
+              <a:rPr/>
+              <a:t>Questions?</a:t>
+            </a:r>
+          </a:p>
+        </p:txBody>
+      </p:sp>
+      <p:sp>
+        <p:nvSpPr>
+          <p:cNvPr id="3" name="Content Placeholder 2">
+            <a:extLst>
+              <a:ext uri="{FF2B5EF4-FFF2-40B4-BE49-F238E27FC236}">
+                <a16:creationId xmlns:a16="http://schemas.microsoft.com/office/drawing/2014/main" id="{A4EB24F9-04F1-C843-9D71-56C5C024552B}"/>
+              </a:ext>
+            </a:extLst>
+          </p:cNvPr>
+          <p:cNvSpPr>
+            <a:spLocks noGrp="1"/>
+          </p:cNvSpPr>
+          <p:nvPr>
+            <p:ph idx="1"/>
+          </p:nvPr>
+        </p:nvSpPr>
+        <p:spPr/>
+        <p:txBody>
+          <a:bodyPr/>
+          <a:lstStyle/>
+          <a:p>
+            <a:pPr lvl="0" indent="0" marL="1270000">
+              <a:buNone/>
+            </a:pPr>
+            <a:r>
+              <a:rPr sz="2000" b="1"/>
+              <a:t>Lab activities</a:t>
+            </a:r>
+          </a:p>
+          <a:p>
+            <a:pPr lvl="0" indent="0" marL="1270000">
+              <a:buNone/>
+            </a:pPr>
+            <a:r>
+              <a:rPr sz="2000"/>
+              <a:t>Power Calculations in preparation for your Ethics Applications</a:t>
+            </a:r>
+          </a:p>
+          <a:p>
+            <a:pPr lvl="0" indent="0" marL="1270000">
+              <a:buNone/>
+            </a:pPr>
+            <a:r>
+              <a:rPr sz="2000"/>
+              <a:t>Pay close attention to the lab slides - Step by Step guidance for EVERY ANOVA flavour</a:t>
+            </a:r>
+          </a:p>
+          <a:p>
+            <a:pPr lvl="0" indent="0" marL="1270000">
+              <a:buNone/>
+            </a:pPr>
+            <a:r>
+              <a:rPr sz="2000"/>
+              <a:t>Access to detailed Ethics VLE page and resources (Please Review)</a:t>
+            </a:r>
+          </a:p>
+          <a:p>
+            <a:pPr lvl="0" indent="0" marL="1270000">
+              <a:buNone/>
+            </a:pPr>
+            <a:r>
+              <a:rPr sz="2000"/>
+              <a:t>Lab Priority is the Critical Proposal Target Paper approval/confirmation</a:t>
+            </a:r>
+          </a:p>
+          <a:p>
+            <a:pPr lvl="0" indent="0" marL="0">
+              <a:spcBef>
+                <a:spcPts val="3000"/>
+              </a:spcBef>
+              <a:buNone/>
+            </a:pPr>
+            <a:r>
+              <a:rPr b="1"/>
+              <a:t>References</a:t>
+            </a:r>
+          </a:p>
+          <a:p>
+            <a:pPr lvl="0" indent="0" marL="0">
+              <a:buNone/>
+            </a:pPr>
+            <a:r>
+              <a:rPr/>
+              <a:t>Open Science Collaboration. (2015). Estimating the reproducibility of psychological science. </a:t>
+            </a:r>
+            <a:r>
+              <a:rPr i="1"/>
+              <a:t>Science</a:t>
+            </a:r>
+            <a:r>
+              <a:rPr/>
+              <a:t>, </a:t>
+            </a:r>
+            <a:r>
+              <a:rPr i="1"/>
+              <a:t>349</a:t>
+            </a:r>
+            <a:r>
+              <a:rPr/>
+              <a:t>(6251), aac4716. </a:t>
+            </a:r>
+            <a:r>
+              <a:rPr>
+                <a:hlinkClick r:id="rId2"/>
+              </a:rPr>
+              <a:t>https://doi.org/10.1126/science.aac4716</a:t>
+            </a:r>
+          </a:p>
+        </p:txBody>
+      </p:sp>
+    </p:spTree>
+  </p:cSld>
+</p:sld>
+</file>
+
 <file path=ppt/slides/slide2.xml><?xml version="1.0" encoding="utf-8"?>
 <p:sld xmlns:a="http://schemas.openxmlformats.org/drawingml/2006/main" xmlns:r="http://schemas.openxmlformats.org/officeDocument/2006/relationships" xmlns:p="http://schemas.openxmlformats.org/presentationml/2006/main">
   <p:cSld>
@@ -6093,6 +6205,10 @@
             <a:pPr lvl="0" indent="0" marL="1270000">
               <a:buNone/>
             </a:pPr>
+            <a:r>
+              <a:rPr sz="2000" b="1"/>
+              <a:t>Tip</a:t>
+            </a:r>
           </a:p>
           <a:p>
             <a:pPr lvl="0" indent="0" marL="1270000">
@@ -6110,310 +6226,6 @@
             <a:r>
               <a:rPr sz="2000"/>
               <a:t>Make sure to use your feedback!</a:t>
-            </a:r>
-          </a:p>
-        </p:txBody>
-      </p:sp>
-    </p:spTree>
-  </p:cSld>
-</p:sld>
-</file>
-
-<file path=ppt/slides/slide20.xml><?xml version="1.0" encoding="utf-8"?>
-<p:sld xmlns:a="http://schemas.openxmlformats.org/drawingml/2006/main" xmlns:r="http://schemas.openxmlformats.org/officeDocument/2006/relationships" xmlns:p="http://schemas.openxmlformats.org/presentationml/2006/main">
-  <p:cSld>
-    <p:spTree>
-      <p:nvGrpSpPr>
-        <p:cNvPr id="1" name=""/>
-        <p:cNvGrpSpPr/>
-        <p:nvPr/>
-      </p:nvGrpSpPr>
-      <p:grpSpPr>
-        <a:xfrm>
-          <a:off x="0" y="0"/>
-          <a:ext cx="0" cy="0"/>
-          <a:chOff x="0" y="0"/>
-          <a:chExt cx="0" cy="0"/>
-        </a:xfrm>
-      </p:grpSpPr>
-      <p:sp>
-        <p:nvSpPr>
-          <p:cNvPr id="3" name="Content Placeholder 2">
-            <a:extLst>
-              <a:ext uri="{FF2B5EF4-FFF2-40B4-BE49-F238E27FC236}">
-                <a16:creationId xmlns:a16="http://schemas.microsoft.com/office/drawing/2014/main" id="{A4EB24F9-04F1-C843-9D71-56C5C024552B}"/>
-              </a:ext>
-            </a:extLst>
-          </p:cNvPr>
-          <p:cNvSpPr>
-            <a:spLocks noGrp="1"/>
-          </p:cNvSpPr>
-          <p:nvPr>
-            <p:ph idx="1"/>
-          </p:nvPr>
-        </p:nvSpPr>
-        <p:spPr/>
-        <p:txBody>
-          <a:bodyPr/>
-          <a:lstStyle/>
-          <a:p>
-            <a:pPr lvl="0" indent="0" marL="0">
-              <a:spcBef>
-                <a:spcPts val="3000"/>
-              </a:spcBef>
-              <a:buNone/>
-            </a:pPr>
-            <a:r>
-              <a:rPr b="1"/>
-              <a:t>Are we worry about the wrong thing?</a:t>
-            </a:r>
-          </a:p>
-          <a:p>
-            <a:pPr lvl="0"/>
-            <a:r>
-              <a:rPr/>
-              <a:t>Other psychologists have argued that focus on replicability, statistical robustness etc. is misguided</a:t>
-            </a:r>
-          </a:p>
-          <a:p>
-            <a:pPr lvl="0"/>
-            <a:r>
-              <a:rPr/>
-              <a:t>The real problem psychology has is the absence of strong theories</a:t>
-            </a:r>
-          </a:p>
-          <a:p>
-            <a:pPr lvl="0"/>
-            <a:r>
-              <a:rPr/>
-              <a:t>This “theory crisis” cannot be solved with more and more attention to statistics</a:t>
-            </a:r>
-          </a:p>
-          <a:p>
-            <a:pPr lvl="0"/>
-            <a:r>
-              <a:rPr/>
-              <a:t>Theory is the thing we should be caring about? Not specific effects in specific studies</a:t>
-            </a:r>
-          </a:p>
-          <a:p>
-            <a:pPr lvl="0"/>
-            <a:r>
-              <a:rPr/>
-              <a:t>No statistics can help us to test a theory that is poorly thought out</a:t>
-            </a:r>
-          </a:p>
-          <a:p>
-            <a:pPr lvl="0" indent="0" marL="0">
-              <a:spcBef>
-                <a:spcPts val="3000"/>
-              </a:spcBef>
-              <a:buNone/>
-            </a:pPr>
-            <a:r>
-              <a:rPr b="1"/>
-              <a:t>Summary</a:t>
-            </a:r>
-          </a:p>
-          <a:p>
-            <a:pPr lvl="0" indent="0" marL="0">
-              <a:buNone/>
-            </a:pPr>
-            <a:r>
-              <a:rPr/>
-              <a:t>You should now know:</a:t>
-            </a:r>
-          </a:p>
-          <a:p>
-            <a:pPr lvl="0"/>
-            <a:r>
-              <a:rPr/>
-              <a:t>Why scientists are concerned about the reliability of psychological studies</a:t>
-            </a:r>
-          </a:p>
-          <a:p>
-            <a:pPr lvl="0"/>
-            <a:r>
-              <a:rPr/>
-              <a:t>Steps the scientific community are taking to overcome these worries</a:t>
-            </a:r>
-          </a:p>
-          <a:p>
-            <a:pPr lvl="0"/>
-            <a:r>
-              <a:rPr/>
-              <a:t>Not everyone is convinced that the ‘crisis’ is as serious as it seems, or whether these changes will help solve psychology’s problems</a:t>
-            </a:r>
-          </a:p>
-        </p:txBody>
-      </p:sp>
-    </p:spTree>
-  </p:cSld>
-</p:sld>
-</file>
-
-<file path=ppt/slides/slide21.xml><?xml version="1.0" encoding="utf-8"?>
-<p:sld xmlns:a="http://schemas.openxmlformats.org/drawingml/2006/main" xmlns:r="http://schemas.openxmlformats.org/officeDocument/2006/relationships" xmlns:p="http://schemas.openxmlformats.org/presentationml/2006/main">
-  <p:cSld>
-    <p:spTree>
-      <p:nvGrpSpPr>
-        <p:cNvPr id="1" name=""/>
-        <p:cNvGrpSpPr/>
-        <p:nvPr/>
-      </p:nvGrpSpPr>
-      <p:grpSpPr>
-        <a:xfrm>
-          <a:off x="0" y="0"/>
-          <a:ext cx="0" cy="0"/>
-          <a:chOff x="0" y="0"/>
-          <a:chExt cx="0" cy="0"/>
-        </a:xfrm>
-      </p:grpSpPr>
-      <p:sp>
-        <p:nvSpPr>
-          <p:cNvPr id="2" name="Title 1">
-            <a:extLst>
-              <a:ext uri="{FF2B5EF4-FFF2-40B4-BE49-F238E27FC236}">
-                <a16:creationId xmlns:a16="http://schemas.microsoft.com/office/drawing/2014/main" id="{DD9B8E45-0772-954C-8D4B-6E6808DFEDED}"/>
-              </a:ext>
-            </a:extLst>
-          </p:cNvPr>
-          <p:cNvSpPr>
-            <a:spLocks noGrp="1"/>
-          </p:cNvSpPr>
-          <p:nvPr>
-            <p:ph type="title"/>
-          </p:nvPr>
-        </p:nvSpPr>
-        <p:spPr>
-          <a:xfrm>
-            <a:off x="838200" y="365129"/>
-            <a:ext cx="10002520" cy="1325563"/>
-          </a:xfrm>
-          <a:prstGeom prst="rect">
-            <a:avLst/>
-          </a:prstGeom>
-        </p:spPr>
-        <p:txBody>
-          <a:bodyPr/>
-          <a:lstStyle/>
-          <a:p>
-            <a:pPr lvl="0" indent="0" marL="0">
-              <a:buNone/>
-            </a:pPr>
-            <a:r>
-              <a:rPr/>
-              <a:t>Questions?</a:t>
-            </a:r>
-          </a:p>
-        </p:txBody>
-      </p:sp>
-      <p:sp>
-        <p:nvSpPr>
-          <p:cNvPr id="3" name="Content Placeholder 2">
-            <a:extLst>
-              <a:ext uri="{FF2B5EF4-FFF2-40B4-BE49-F238E27FC236}">
-                <a16:creationId xmlns:a16="http://schemas.microsoft.com/office/drawing/2014/main" id="{A4EB24F9-04F1-C843-9D71-56C5C024552B}"/>
-              </a:ext>
-            </a:extLst>
-          </p:cNvPr>
-          <p:cNvSpPr>
-            <a:spLocks noGrp="1"/>
-          </p:cNvSpPr>
-          <p:nvPr>
-            <p:ph idx="1"/>
-          </p:nvPr>
-        </p:nvSpPr>
-        <p:spPr/>
-        <p:txBody>
-          <a:bodyPr/>
-          <a:lstStyle/>
-          <a:p>
-            <a:pPr lvl="0" indent="0" marL="1270000">
-              <a:buNone/>
-            </a:pPr>
-            <a:r>
-              <a:rPr sz="2000" b="1"/>
-              <a:t>Lab activities</a:t>
-            </a:r>
-          </a:p>
-          <a:p>
-            <a:pPr lvl="0" indent="0" marL="1270000">
-              <a:buNone/>
-            </a:pPr>
-            <a:r>
-              <a:rPr sz="2000"/>
-              <a:t>Power Calculations in preparation for your Ethics Applications</a:t>
-            </a:r>
-          </a:p>
-          <a:p>
-            <a:pPr lvl="0" indent="0" marL="1270000">
-              <a:buNone/>
-            </a:pPr>
-            <a:r>
-              <a:rPr sz="2000"/>
-              <a:t>Pay close attention to the lab slides - Step by Step guidance for EVERY ANOVA flavour</a:t>
-            </a:r>
-          </a:p>
-          <a:p>
-            <a:pPr lvl="0" indent="0" marL="1270000">
-              <a:buNone/>
-            </a:pPr>
-            <a:r>
-              <a:rPr sz="2000"/>
-              <a:t>Access to detailed Ethics VLE page and resources (Please Review)</a:t>
-            </a:r>
-          </a:p>
-          <a:p>
-            <a:pPr lvl="0" indent="0" marL="1270000">
-              <a:buNone/>
-            </a:pPr>
-            <a:r>
-              <a:rPr sz="2000"/>
-              <a:t>Lab Priority is the Critical Proposal Target Paper approval/confirmation</a:t>
-            </a:r>
-          </a:p>
-          <a:p>
-            <a:pPr lvl="0" indent="0" marL="0">
-              <a:spcBef>
-                <a:spcPts val="3000"/>
-              </a:spcBef>
-              <a:buNone/>
-            </a:pPr>
-            <a:r>
-              <a:rPr b="1"/>
-              <a:t>References</a:t>
-            </a:r>
-          </a:p>
-          <a:p>
-            <a:pPr lvl="0" indent="0" marL="0">
-              <a:buNone/>
-            </a:pPr>
-            <a:r>
-              <a:rPr/>
-              <a:t>Open Science Collaboration. (2015). Estimating the reproducibility of psychological science. </a:t>
-            </a:r>
-            <a:r>
-              <a:rPr i="1"/>
-              <a:t>Science</a:t>
-            </a:r>
-            <a:r>
-              <a:rPr/>
-              <a:t>, </a:t>
-            </a:r>
-            <a:r>
-              <a:rPr i="1"/>
-              <a:t>349</a:t>
-            </a:r>
-            <a:r>
-              <a:rPr/>
-              <a:t>(6251), aac4716. </a:t>
-            </a:r>
-            <a:r>
-              <a:rPr>
-                <a:hlinkClick r:id="rId2"/>
-              </a:rPr>
-              <a:t>https://doi.org/10.1126/science.aac4716</a:t>
             </a:r>
           </a:p>
         </p:txBody>
@@ -6700,8 +6512,8 @@
         </p:blipFill>
         <p:spPr bwMode="auto">
           <a:xfrm>
-            <a:off x="5181600" y="1955800"/>
-            <a:ext cx="6172200" cy="2400300"/>
+            <a:off x="838200" y="2946400"/>
+            <a:ext cx="3924300" cy="1524000"/>
           </a:xfrm>
           <a:prstGeom prst="rect">
             <a:avLst/>
@@ -6722,8 +6534,8 @@
         </p:nvSpPr>
         <p:spPr>
           <a:xfrm>
-            <a:off x="5181600" y="5334000"/>
-            <a:ext cx="6172200" cy="508000"/>
+            <a:off x="838200" y="5359400"/>
+            <a:ext cx="3924300" cy="508000"/>
           </a:xfrm>
           <a:prstGeom prst="rect">
             <a:avLst/>
@@ -6744,28 +6556,6 @@
           </a:p>
         </p:txBody>
       </p:sp>
-    </p:spTree>
-  </p:cSld>
-</p:sld>
-</file>
-
-<file path=ppt/slides/slide5.xml><?xml version="1.0" encoding="utf-8"?>
-<p:sld xmlns:a="http://schemas.openxmlformats.org/drawingml/2006/main" xmlns:r="http://schemas.openxmlformats.org/officeDocument/2006/relationships" xmlns:p="http://schemas.openxmlformats.org/presentationml/2006/main">
-  <p:cSld>
-    <p:spTree>
-      <p:nvGrpSpPr>
-        <p:cNvPr id="1" name=""/>
-        <p:cNvGrpSpPr/>
-        <p:nvPr/>
-      </p:nvGrpSpPr>
-      <p:grpSpPr>
-        <a:xfrm>
-          <a:off x="0" y="0"/>
-          <a:ext cx="0" cy="0"/>
-          <a:chOff x="0" y="0"/>
-          <a:chExt cx="0" cy="0"/>
-        </a:xfrm>
-      </p:grpSpPr>
       <p:sp>
         <p:nvSpPr>
           <p:cNvPr id="4" name="Text Placeholder 3">
@@ -6809,15 +6599,15 @@
           <p:nvPr/>
         </p:nvPicPr>
         <p:blipFill>
-          <a:blip r:embed="rId2"/>
+          <a:blip r:embed="rId8"/>
           <a:stretch>
             <a:fillRect/>
           </a:stretch>
         </p:blipFill>
         <p:spPr bwMode="auto">
           <a:xfrm>
-            <a:off x="5511800" y="977900"/>
-            <a:ext cx="5511800" cy="4356100"/>
+            <a:off x="838200" y="2159000"/>
+            <a:ext cx="3924300" cy="3098800"/>
           </a:xfrm>
           <a:prstGeom prst="rect">
             <a:avLst/>
@@ -6838,8 +6628,8 @@
         </p:nvSpPr>
         <p:spPr>
           <a:xfrm>
-            <a:off x="5181600" y="5334000"/>
-            <a:ext cx="6172200" cy="508000"/>
+            <a:off x="838200" y="5359400"/>
+            <a:ext cx="3924300" cy="508000"/>
           </a:xfrm>
           <a:prstGeom prst="rect">
             <a:avLst/>
@@ -6860,28 +6650,6 @@
           </a:p>
         </p:txBody>
       </p:sp>
-    </p:spTree>
-  </p:cSld>
-</p:sld>
-</file>
-
-<file path=ppt/slides/slide6.xml><?xml version="1.0" encoding="utf-8"?>
-<p:sld xmlns:a="http://schemas.openxmlformats.org/drawingml/2006/main" xmlns:r="http://schemas.openxmlformats.org/officeDocument/2006/relationships" xmlns:p="http://schemas.openxmlformats.org/presentationml/2006/main">
-  <p:cSld>
-    <p:spTree>
-      <p:nvGrpSpPr>
-        <p:cNvPr id="1" name=""/>
-        <p:cNvGrpSpPr/>
-        <p:nvPr/>
-      </p:nvGrpSpPr>
-      <p:grpSpPr>
-        <a:xfrm>
-          <a:off x="0" y="0"/>
-          <a:ext cx="0" cy="0"/>
-          <a:chOff x="0" y="0"/>
-          <a:chExt cx="0" cy="0"/>
-        </a:xfrm>
-      </p:grpSpPr>
       <p:sp>
         <p:nvSpPr>
           <p:cNvPr id="4" name="Text Placeholder 3">
@@ -7042,7 +6810,7 @@
           <p:nvPr/>
         </p:nvPicPr>
         <p:blipFill>
-          <a:blip r:embed="rId2"/>
+          <a:blip r:embed="rId9"/>
           <a:stretch>
             <a:fillRect/>
           </a:stretch>
@@ -7068,7 +6836,7 @@
 </p:sld>
 </file>
 
-<file path=ppt/slides/slide7.xml><?xml version="1.0" encoding="utf-8"?>
+<file path=ppt/slides/slide5.xml><?xml version="1.0" encoding="utf-8"?>
 <p:sld xmlns:a="http://schemas.openxmlformats.org/drawingml/2006/main" xmlns:r="http://schemas.openxmlformats.org/officeDocument/2006/relationships" xmlns:p="http://schemas.openxmlformats.org/presentationml/2006/main">
   <p:cSld>
     <p:spTree>
@@ -7143,7 +6911,7 @@
 </p:sld>
 </file>
 
-<file path=ppt/slides/slide8.xml><?xml version="1.0" encoding="utf-8"?>
+<file path=ppt/slides/slide6.xml><?xml version="1.0" encoding="utf-8"?>
 <p:sld xmlns:a="http://schemas.openxmlformats.org/drawingml/2006/main" xmlns:r="http://schemas.openxmlformats.org/officeDocument/2006/relationships" xmlns:p="http://schemas.openxmlformats.org/presentationml/2006/main">
   <p:cSld>
     <p:spTree>
@@ -7884,7 +7652,7 @@
 </p:sld>
 </file>
 
-<file path=ppt/slides/slide9.xml><?xml version="1.0" encoding="utf-8"?>
+<file path=ppt/slides/slide7.xml><?xml version="1.0" encoding="utf-8"?>
 <p:sld xmlns:a="http://schemas.openxmlformats.org/drawingml/2006/main" xmlns:r="http://schemas.openxmlformats.org/officeDocument/2006/relationships" xmlns:p="http://schemas.openxmlformats.org/presentationml/2006/main">
   <p:cSld>
     <p:spTree>
@@ -8037,6 +7805,196 @@
           <a:xfrm>
             <a:off x="5181600" y="1739900"/>
             <a:ext cx="6172200" cy="3340100"/>
+          </a:xfrm>
+          <a:prstGeom prst="rect">
+            <a:avLst/>
+          </a:prstGeom>
+          <a:noFill/>
+          <a:ln w="9525">
+            <a:noFill/>
+            <a:headEnd/>
+            <a:tailEnd/>
+          </a:ln>
+        </p:spPr>
+      </p:pic>
+    </p:spTree>
+  </p:cSld>
+</p:sld>
+</file>
+
+<file path=ppt/slides/slide8.xml><?xml version="1.0" encoding="utf-8"?>
+<p:sld xmlns:a="http://schemas.openxmlformats.org/drawingml/2006/main" xmlns:r="http://schemas.openxmlformats.org/officeDocument/2006/relationships" xmlns:p="http://schemas.openxmlformats.org/presentationml/2006/main">
+  <p:cSld>
+    <p:spTree>
+      <p:nvGrpSpPr>
+        <p:cNvPr id="1" name=""/>
+        <p:cNvGrpSpPr/>
+        <p:nvPr/>
+      </p:nvGrpSpPr>
+      <p:grpSpPr>
+        <a:xfrm>
+          <a:off x="0" y="0"/>
+          <a:ext cx="0" cy="0"/>
+          <a:chOff x="0" y="0"/>
+          <a:chExt cx="0" cy="0"/>
+        </a:xfrm>
+      </p:grpSpPr>
+      <p:sp>
+        <p:nvSpPr>
+          <p:cNvPr id="4" name="Text Placeholder 3">
+            <a:extLst>
+              <a:ext uri="{FF2B5EF4-FFF2-40B4-BE49-F238E27FC236}">
+                <a16:creationId xmlns:a16="http://schemas.microsoft.com/office/drawing/2014/main" id="{898BA411-2A54-A94A-B3FC-826281DBEADF}"/>
+              </a:ext>
+            </a:extLst>
+          </p:cNvPr>
+          <p:cNvSpPr>
+            <a:spLocks noGrp="1"/>
+          </p:cNvSpPr>
+          <p:nvPr>
+            <p:ph idx="2" sz="half" type="body"/>
+          </p:nvPr>
+        </p:nvSpPr>
+        <p:spPr/>
+        <p:txBody>
+          <a:bodyPr/>
+          <a:lstStyle/>
+          <a:p>
+            <a:pPr lvl="0" indent="0" marL="0">
+              <a:spcBef>
+                <a:spcPts val="3000"/>
+              </a:spcBef>
+              <a:buNone/>
+            </a:pPr>
+            <a:r>
+              <a:rPr b="1"/>
+              <a:t>The credibility revolution?</a:t>
+            </a:r>
+          </a:p>
+          <a:p>
+            <a:pPr lvl="0" indent="0" marL="0">
+              <a:buNone/>
+            </a:pPr>
+            <a:r>
+              <a:rPr/>
+              <a:t>Recent years have seen several changes to how psychological science is conducted to overcome concerns about reliability – dubbed the ‘credibility revolution’</a:t>
+            </a:r>
+          </a:p>
+        </p:txBody>
+      </p:sp>
+      <p:pic>
+        <p:nvPicPr>
+          <p:cNvPr descr="images/paste-22D4632E.png" id="0" name="Picture 1"/>
+          <p:cNvPicPr>
+            <a:picLocks noGrp="1" noChangeAspect="1"/>
+          </p:cNvPicPr>
+          <p:nvPr/>
+        </p:nvPicPr>
+        <p:blipFill>
+          <a:blip r:embed="rId2"/>
+          <a:stretch>
+            <a:fillRect/>
+          </a:stretch>
+        </p:blipFill>
+        <p:spPr bwMode="auto">
+          <a:xfrm>
+            <a:off x="5181600" y="1625600"/>
+            <a:ext cx="6172200" cy="3568700"/>
+          </a:xfrm>
+          <a:prstGeom prst="rect">
+            <a:avLst/>
+          </a:prstGeom>
+          <a:noFill/>
+          <a:ln w="9525">
+            <a:noFill/>
+            <a:headEnd/>
+            <a:tailEnd/>
+          </a:ln>
+        </p:spPr>
+      </p:pic>
+    </p:spTree>
+  </p:cSld>
+</p:sld>
+</file>
+
+<file path=ppt/slides/slide9.xml><?xml version="1.0" encoding="utf-8"?>
+<p:sld xmlns:a="http://schemas.openxmlformats.org/drawingml/2006/main" xmlns:r="http://schemas.openxmlformats.org/officeDocument/2006/relationships" xmlns:p="http://schemas.openxmlformats.org/presentationml/2006/main">
+  <p:cSld>
+    <p:spTree>
+      <p:nvGrpSpPr>
+        <p:cNvPr id="1" name=""/>
+        <p:cNvGrpSpPr/>
+        <p:nvPr/>
+      </p:nvGrpSpPr>
+      <p:grpSpPr>
+        <a:xfrm>
+          <a:off x="0" y="0"/>
+          <a:ext cx="0" cy="0"/>
+          <a:chOff x="0" y="0"/>
+          <a:chExt cx="0" cy="0"/>
+        </a:xfrm>
+      </p:grpSpPr>
+      <p:sp>
+        <p:nvSpPr>
+          <p:cNvPr id="4" name="Text Placeholder 3">
+            <a:extLst>
+              <a:ext uri="{FF2B5EF4-FFF2-40B4-BE49-F238E27FC236}">
+                <a16:creationId xmlns:a16="http://schemas.microsoft.com/office/drawing/2014/main" id="{898BA411-2A54-A94A-B3FC-826281DBEADF}"/>
+              </a:ext>
+            </a:extLst>
+          </p:cNvPr>
+          <p:cNvSpPr>
+            <a:spLocks noGrp="1"/>
+          </p:cNvSpPr>
+          <p:nvPr>
+            <p:ph idx="2" sz="half" type="body"/>
+          </p:nvPr>
+        </p:nvSpPr>
+        <p:spPr/>
+        <p:txBody>
+          <a:bodyPr/>
+          <a:lstStyle/>
+          <a:p>
+            <a:pPr lvl="0" indent="0" marL="0">
+              <a:spcBef>
+                <a:spcPts val="3000"/>
+              </a:spcBef>
+              <a:buNone/>
+            </a:pPr>
+            <a:r>
+              <a:rPr b="1"/>
+              <a:t>Recommendations and changes</a:t>
+            </a:r>
+          </a:p>
+          <a:p>
+            <a:pPr lvl="0" indent="0" marL="0">
+              <a:buNone/>
+            </a:pPr>
+            <a:r>
+              <a:rPr/>
+              <a:t>Low statistical power? Report power analyses and justify sample sizes</a:t>
+            </a:r>
+          </a:p>
+        </p:txBody>
+      </p:sp>
+      <p:pic>
+        <p:nvPicPr>
+          <p:cNvPr descr="images/paste-FF37A851.png" id="0" name="Picture 1"/>
+          <p:cNvPicPr>
+            <a:picLocks noGrp="1" noChangeAspect="1"/>
+          </p:cNvPicPr>
+          <p:nvPr/>
+        </p:nvPicPr>
+        <p:blipFill>
+          <a:blip r:embed="rId2"/>
+          <a:stretch>
+            <a:fillRect/>
+          </a:stretch>
+        </p:blipFill>
+        <p:spPr bwMode="auto">
+          <a:xfrm>
+            <a:off x="5181600" y="2159000"/>
+            <a:ext cx="6172200" cy="2501900"/>
           </a:xfrm>
           <a:prstGeom prst="rect">
             <a:avLst/>
